--- a/Team/Threat-risk -enguagement.pptx
+++ b/Team/Threat-risk -enguagement.pptx
@@ -3926,16 +3926,16 @@
     </dgm:pt>
   </dgm:ptLst>
   <dgm:cxnLst>
+    <dgm:cxn modelId="{B49E7A70-C583-4B88-90B0-80AE6746AEFC}" type="presOf" srcId="{1636FF6F-F2EB-4528-9A30-20E234041CC5}" destId="{9C08AF81-CCC9-48DA-923E-CFD2937B1B3F}" srcOrd="0" destOrd="0" presId="urn:microsoft.com/office/officeart/2005/8/layout/hChevron3"/>
     <dgm:cxn modelId="{5AA9D8B5-C589-427A-B8DA-2128C03D19FC}" type="presOf" srcId="{EB410830-D785-4A48-BDF3-6FCD82FF7BD9}" destId="{D83588F4-B305-4B2B-B4BA-59B65E569A99}" srcOrd="0" destOrd="0" presId="urn:microsoft.com/office/officeart/2005/8/layout/hChevron3"/>
-    <dgm:cxn modelId="{B49E7A70-C583-4B88-90B0-80AE6746AEFC}" type="presOf" srcId="{1636FF6F-F2EB-4528-9A30-20E234041CC5}" destId="{9C08AF81-CCC9-48DA-923E-CFD2937B1B3F}" srcOrd="0" destOrd="0" presId="urn:microsoft.com/office/officeart/2005/8/layout/hChevron3"/>
     <dgm:cxn modelId="{807BBA5D-83D3-413A-847D-81DE355012D5}" type="presOf" srcId="{F65246EA-00E3-49B9-BC2A-A6992EDBEF9E}" destId="{D853B3FE-1EB5-4A1B-8F61-41680B4B59EB}" srcOrd="0" destOrd="0" presId="urn:microsoft.com/office/officeart/2005/8/layout/hChevron3"/>
     <dgm:cxn modelId="{478E93DA-63B6-467F-8E55-0CC6DB81DA2D}" srcId="{CB1AD5F6-B8F9-466B-A6C6-9EA19545F5A0}" destId="{1636FF6F-F2EB-4528-9A30-20E234041CC5}" srcOrd="5" destOrd="0" parTransId="{97180DF2-8DAC-4F18-8A43-2DADE06653EC}" sibTransId="{66B9FFD0-ECA6-4814-8F3B-ED0338FEA91F}"/>
     <dgm:cxn modelId="{63A15B83-1C7D-410F-A027-19DC1B182B7A}" type="presOf" srcId="{EF4FA0DF-F250-45C9-B0EA-03FCA7403AEF}" destId="{2DC75921-C6BF-4EBA-8BC9-DC9D14480167}" srcOrd="0" destOrd="0" presId="urn:microsoft.com/office/officeart/2005/8/layout/hChevron3"/>
     <dgm:cxn modelId="{EAFC4CDA-DD6B-4693-9197-AA6921034487}" srcId="{CB1AD5F6-B8F9-466B-A6C6-9EA19545F5A0}" destId="{D6BD08BD-4106-4C5D-9AF3-692A146E3DC5}" srcOrd="2" destOrd="0" parTransId="{4712102A-5401-4436-990B-523562737265}" sibTransId="{1368208B-E7EE-40FF-BE9B-39A605947AD4}"/>
     <dgm:cxn modelId="{B8F3C58B-4ED4-4A5B-B8BF-C7C9FD580FD0}" srcId="{CB1AD5F6-B8F9-466B-A6C6-9EA19545F5A0}" destId="{C9D6D0D7-0014-48C6-86D7-DA5B34F2781A}" srcOrd="1" destOrd="0" parTransId="{9B117590-6B5A-434B-B38A-F69E28B3C6B2}" sibTransId="{A561D268-9165-4308-9DEF-95F58CF13D06}"/>
-    <dgm:cxn modelId="{2998927C-3BB1-429F-92C5-30D290BC2A28}" srcId="{CB1AD5F6-B8F9-466B-A6C6-9EA19545F5A0}" destId="{EF4FA0DF-F250-45C9-B0EA-03FCA7403AEF}" srcOrd="3" destOrd="0" parTransId="{FFFFFBAD-9034-47CC-A0AF-88ACE0FC47FA}" sibTransId="{5FFEA87A-6ECF-47F0-8B05-D50354D13B5B}"/>
     <dgm:cxn modelId="{16ACF025-211F-4130-B2C0-F0240708E926}" type="presOf" srcId="{CB1AD5F6-B8F9-466B-A6C6-9EA19545F5A0}" destId="{38CCD1CF-A2E7-4999-A4A8-9E54A066E92C}" srcOrd="0" destOrd="0" presId="urn:microsoft.com/office/officeart/2005/8/layout/hChevron3"/>
     <dgm:cxn modelId="{0ECD405B-E80E-416A-BC6E-1DDB62EC748B}" srcId="{CB1AD5F6-B8F9-466B-A6C6-9EA19545F5A0}" destId="{F65246EA-00E3-49B9-BC2A-A6992EDBEF9E}" srcOrd="4" destOrd="0" parTransId="{72A27F99-A811-4730-BB42-70F295E3F5A1}" sibTransId="{B00412BE-E58F-4F03-A1E9-362A1ACB3704}"/>
+    <dgm:cxn modelId="{2998927C-3BB1-429F-92C5-30D290BC2A28}" srcId="{CB1AD5F6-B8F9-466B-A6C6-9EA19545F5A0}" destId="{EF4FA0DF-F250-45C9-B0EA-03FCA7403AEF}" srcOrd="3" destOrd="0" parTransId="{FFFFFBAD-9034-47CC-A0AF-88ACE0FC47FA}" sibTransId="{5FFEA87A-6ECF-47F0-8B05-D50354D13B5B}"/>
     <dgm:cxn modelId="{90B40C60-E112-440F-AF2D-A78480781ECF}" srcId="{CB1AD5F6-B8F9-466B-A6C6-9EA19545F5A0}" destId="{EB410830-D785-4A48-BDF3-6FCD82FF7BD9}" srcOrd="0" destOrd="0" parTransId="{204E38F6-F8EF-4C69-891C-92F4603E4540}" sibTransId="{BE1130ED-E49B-4C6E-8A5E-170CEB915DF7}"/>
     <dgm:cxn modelId="{7D10DDF7-0A2D-4901-8E6E-35DA9806B5B2}" type="presOf" srcId="{C9D6D0D7-0014-48C6-86D7-DA5B34F2781A}" destId="{2F653DC4-8D17-47BE-BF98-4252FE76D4DC}" srcOrd="0" destOrd="0" presId="urn:microsoft.com/office/officeart/2005/8/layout/hChevron3"/>
     <dgm:cxn modelId="{0B1875B2-A0E0-4521-A43D-4E048F1471F1}" type="presOf" srcId="{D6BD08BD-4106-4C5D-9AF3-692A146E3DC5}" destId="{DB7A8F58-0383-4883-BCB2-50135CAE01DA}" srcOrd="0" destOrd="0" presId="urn:microsoft.com/office/officeart/2005/8/layout/hChevron3"/>
@@ -4116,43 +4116,6 @@
         </a:p>
       </dgm:t>
     </dgm:pt>
-    <dgm:pt modelId="{00DAB9BB-3A7C-4AB5-B1CC-EED9F6877063}">
-      <dgm:prSet phldrT="[Text]" custT="1"/>
-      <dgm:spPr/>
-      <dgm:t>
-        <a:bodyPr/>
-        <a:lstStyle/>
-        <a:p>
-          <a:r>
-            <a:rPr lang="en-US" sz="1400" dirty="0" smtClean="0"/>
-            <a:t>Task Force Review</a:t>
-          </a:r>
-          <a:endParaRPr lang="en-US" sz="1400" dirty="0"/>
-        </a:p>
-      </dgm:t>
-    </dgm:pt>
-    <dgm:pt modelId="{54DA5B52-3A27-4F50-BC48-B5B1DEDB1A54}" type="parTrans" cxnId="{3CB1965B-D294-45B6-B720-7820A0E03D67}">
-      <dgm:prSet/>
-      <dgm:spPr/>
-      <dgm:t>
-        <a:bodyPr/>
-        <a:lstStyle/>
-        <a:p>
-          <a:endParaRPr lang="en-US" sz="2000"/>
-        </a:p>
-      </dgm:t>
-    </dgm:pt>
-    <dgm:pt modelId="{69928314-AF82-42EA-8EFD-B82EED0E12D4}" type="sibTrans" cxnId="{3CB1965B-D294-45B6-B720-7820A0E03D67}">
-      <dgm:prSet/>
-      <dgm:spPr/>
-      <dgm:t>
-        <a:bodyPr/>
-        <a:lstStyle/>
-        <a:p>
-          <a:endParaRPr lang="en-US" sz="2000"/>
-        </a:p>
-      </dgm:t>
-    </dgm:pt>
     <dgm:pt modelId="{EB410830-D785-4A48-BDF3-6FCD82FF7BD9}">
       <dgm:prSet phldrT="[Text]" custT="1"/>
       <dgm:spPr>
@@ -4166,7 +4129,26 @@
         <a:p>
           <a:r>
             <a:rPr lang="en-US" sz="1400" dirty="0" smtClean="0"/>
-            <a:t>Task Force, AB Vote</a:t>
+            <a:t>Task </a:t>
+          </a:r>
+          <a:r>
+            <a:rPr lang="en-US" sz="1400" dirty="0" smtClean="0"/>
+            <a:t>Force, </a:t>
+          </a:r>
+          <a:r>
+            <a:rPr lang="en-US" sz="1400" dirty="0" smtClean="0"/>
+            <a:t>AB </a:t>
+          </a:r>
+          <a:r>
+            <a:rPr lang="en-US" sz="1400" dirty="0" smtClean="0"/>
+            <a:t>Vote</a:t>
+          </a:r>
+          <a:br>
+            <a:rPr lang="en-US" sz="1400" dirty="0" smtClean="0"/>
+          </a:br>
+          <a:r>
+            <a:rPr lang="en-US" sz="1400" dirty="0" smtClean="0"/>
+            <a:t>(Could happen in Nov)</a:t>
           </a:r>
           <a:endParaRPr lang="en-US" sz="1400" dirty="0"/>
         </a:p>
@@ -4204,7 +4186,7 @@
       <dgm:spPr/>
     </dgm:pt>
     <dgm:pt modelId="{3AE57C76-F2AB-49D9-B42E-B97033B4475D}" type="pres">
-      <dgm:prSet presAssocID="{456256C3-74BC-4733-8CAE-7627CC297984}" presName="parTxOnly" presStyleLbl="node1" presStyleIdx="0" presStyleCnt="6" custLinFactNeighborX="9795">
+      <dgm:prSet presAssocID="{456256C3-74BC-4733-8CAE-7627CC297984}" presName="parTxOnly" presStyleLbl="node1" presStyleIdx="0" presStyleCnt="5" custScaleX="76058" custLinFactNeighborX="9795">
         <dgm:presLayoutVars>
           <dgm:bulletEnabled val="1"/>
         </dgm:presLayoutVars>
@@ -4223,7 +4205,7 @@
       <dgm:spPr/>
     </dgm:pt>
     <dgm:pt modelId="{2890E868-C74A-4A63-A2AB-757D3EB9251C}" type="pres">
-      <dgm:prSet presAssocID="{D8C3E7A0-A430-4E59-977D-A9AA6B72A214}" presName="parTxOnly" presStyleLbl="node1" presStyleIdx="1" presStyleCnt="6" custLinFactNeighborX="9795">
+      <dgm:prSet presAssocID="{D8C3E7A0-A430-4E59-977D-A9AA6B72A214}" presName="parTxOnly" presStyleLbl="node1" presStyleIdx="1" presStyleCnt="5" custLinFactNeighborX="9795">
         <dgm:presLayoutVars>
           <dgm:bulletEnabled val="1"/>
         </dgm:presLayoutVars>
@@ -4242,7 +4224,7 @@
       <dgm:spPr/>
     </dgm:pt>
     <dgm:pt modelId="{47E6F414-C159-4C72-95FE-D22DC6A5B844}" type="pres">
-      <dgm:prSet presAssocID="{B4A9E70A-32FA-4B85-8D26-33D661885203}" presName="parTxOnly" presStyleLbl="node1" presStyleIdx="2" presStyleCnt="6" custLinFactNeighborX="9795">
+      <dgm:prSet presAssocID="{B4A9E70A-32FA-4B85-8D26-33D661885203}" presName="parTxOnly" presStyleLbl="node1" presStyleIdx="2" presStyleCnt="5" custLinFactNeighborX="9795">
         <dgm:presLayoutVars>
           <dgm:bulletEnabled val="1"/>
         </dgm:presLayoutVars>
@@ -4261,7 +4243,7 @@
       <dgm:spPr/>
     </dgm:pt>
     <dgm:pt modelId="{C2A9903B-86BE-4A55-B8DF-C9D26FFDAC11}" type="pres">
-      <dgm:prSet presAssocID="{D5397D5D-3928-4BFE-8F47-B901FB385FD9}" presName="parTxOnly" presStyleLbl="node1" presStyleIdx="3" presStyleCnt="6">
+      <dgm:prSet presAssocID="{D5397D5D-3928-4BFE-8F47-B901FB385FD9}" presName="parTxOnly" presStyleLbl="node1" presStyleIdx="3" presStyleCnt="5">
         <dgm:presLayoutVars>
           <dgm:bulletEnabled val="1"/>
         </dgm:presLayoutVars>
@@ -4279,27 +4261,8 @@
       <dgm:prSet presAssocID="{12D798E6-EFA6-405D-829C-02A8793A0DDB}" presName="parSpace" presStyleCnt="0"/>
       <dgm:spPr/>
     </dgm:pt>
-    <dgm:pt modelId="{FDEAC994-2602-4149-BDE2-1BB9508FD3E3}" type="pres">
-      <dgm:prSet presAssocID="{00DAB9BB-3A7C-4AB5-B1CC-EED9F6877063}" presName="parTxOnly" presStyleLbl="node1" presStyleIdx="4" presStyleCnt="6">
-        <dgm:presLayoutVars>
-          <dgm:bulletEnabled val="1"/>
-        </dgm:presLayoutVars>
-      </dgm:prSet>
-      <dgm:spPr/>
-      <dgm:t>
-        <a:bodyPr/>
-        <a:lstStyle/>
-        <a:p>
-          <a:endParaRPr lang="en-US"/>
-        </a:p>
-      </dgm:t>
-    </dgm:pt>
-    <dgm:pt modelId="{4EBD1FFF-A74B-46C9-B54F-B07408B0D9C2}" type="pres">
-      <dgm:prSet presAssocID="{69928314-AF82-42EA-8EFD-B82EED0E12D4}" presName="parSpace" presStyleCnt="0"/>
-      <dgm:spPr/>
-    </dgm:pt>
     <dgm:pt modelId="{D83588F4-B305-4B2B-B4BA-59B65E569A99}" type="pres">
-      <dgm:prSet presAssocID="{EB410830-D785-4A48-BDF3-6FCD82FF7BD9}" presName="parTxOnly" presStyleLbl="node1" presStyleIdx="5" presStyleCnt="6">
+      <dgm:prSet presAssocID="{EB410830-D785-4A48-BDF3-6FCD82FF7BD9}" presName="parTxOnly" presStyleLbl="node1" presStyleIdx="4" presStyleCnt="5" custScaleX="146516">
         <dgm:presLayoutVars>
           <dgm:bulletEnabled val="1"/>
         </dgm:presLayoutVars>
@@ -4319,11 +4282,9 @@
     <dgm:cxn modelId="{735642B0-DA31-4138-93BC-F23B0BBDD235}" type="presOf" srcId="{456256C3-74BC-4733-8CAE-7627CC297984}" destId="{3AE57C76-F2AB-49D9-B42E-B97033B4475D}" srcOrd="0" destOrd="0" presId="urn:microsoft.com/office/officeart/2005/8/layout/hChevron3"/>
     <dgm:cxn modelId="{B441CAE3-CCD6-498D-9810-6673CEBE3EA9}" type="presOf" srcId="{B4A9E70A-32FA-4B85-8D26-33D661885203}" destId="{47E6F414-C159-4C72-95FE-D22DC6A5B844}" srcOrd="0" destOrd="0" presId="urn:microsoft.com/office/officeart/2005/8/layout/hChevron3"/>
     <dgm:cxn modelId="{1B115689-FF86-408B-81CA-1DF6B392DDA4}" srcId="{CB1AD5F6-B8F9-466B-A6C6-9EA19545F5A0}" destId="{D8C3E7A0-A430-4E59-977D-A9AA6B72A214}" srcOrd="1" destOrd="0" parTransId="{69AAA9F1-85FC-47E0-A37E-0853E80EE7B7}" sibTransId="{69DEDF8D-E1E9-4E18-A87D-31A6BC5B6CF0}"/>
-    <dgm:cxn modelId="{3CB1965B-D294-45B6-B720-7820A0E03D67}" srcId="{CB1AD5F6-B8F9-466B-A6C6-9EA19545F5A0}" destId="{00DAB9BB-3A7C-4AB5-B1CC-EED9F6877063}" srcOrd="4" destOrd="0" parTransId="{54DA5B52-3A27-4F50-BC48-B5B1DEDB1A54}" sibTransId="{69928314-AF82-42EA-8EFD-B82EED0E12D4}"/>
-    <dgm:cxn modelId="{042820C9-C185-46CB-AD3C-D0934A57DBB5}" type="presOf" srcId="{00DAB9BB-3A7C-4AB5-B1CC-EED9F6877063}" destId="{FDEAC994-2602-4149-BDE2-1BB9508FD3E3}" srcOrd="0" destOrd="0" presId="urn:microsoft.com/office/officeart/2005/8/layout/hChevron3"/>
     <dgm:cxn modelId="{8C0F9A6C-6A9C-489E-9E24-0E5954A7DDFC}" type="presOf" srcId="{D8C3E7A0-A430-4E59-977D-A9AA6B72A214}" destId="{2890E868-C74A-4A63-A2AB-757D3EB9251C}" srcOrd="0" destOrd="0" presId="urn:microsoft.com/office/officeart/2005/8/layout/hChevron3"/>
     <dgm:cxn modelId="{FF5BDC61-976A-4368-869A-274360343470}" srcId="{CB1AD5F6-B8F9-466B-A6C6-9EA19545F5A0}" destId="{D5397D5D-3928-4BFE-8F47-B901FB385FD9}" srcOrd="3" destOrd="0" parTransId="{A19692B3-973F-4518-8CBF-D40442FDE8AF}" sibTransId="{12D798E6-EFA6-405D-829C-02A8793A0DDB}"/>
-    <dgm:cxn modelId="{90B40C60-E112-440F-AF2D-A78480781ECF}" srcId="{CB1AD5F6-B8F9-466B-A6C6-9EA19545F5A0}" destId="{EB410830-D785-4A48-BDF3-6FCD82FF7BD9}" srcOrd="5" destOrd="0" parTransId="{204E38F6-F8EF-4C69-891C-92F4603E4540}" sibTransId="{BE1130ED-E49B-4C6E-8A5E-170CEB915DF7}"/>
+    <dgm:cxn modelId="{90B40C60-E112-440F-AF2D-A78480781ECF}" srcId="{CB1AD5F6-B8F9-466B-A6C6-9EA19545F5A0}" destId="{EB410830-D785-4A48-BDF3-6FCD82FF7BD9}" srcOrd="4" destOrd="0" parTransId="{204E38F6-F8EF-4C69-891C-92F4603E4540}" sibTransId="{BE1130ED-E49B-4C6E-8A5E-170CEB915DF7}"/>
     <dgm:cxn modelId="{DA449152-01BA-492B-A68C-2EB2648B9FDF}" srcId="{CB1AD5F6-B8F9-466B-A6C6-9EA19545F5A0}" destId="{456256C3-74BC-4733-8CAE-7627CC297984}" srcOrd="0" destOrd="0" parTransId="{539F8CF2-7E27-4461-A775-EF193B8CAA61}" sibTransId="{67A61FAD-2409-4A41-828A-FE841FBA9C56}"/>
     <dgm:cxn modelId="{A9796D8C-0560-44ED-A24C-A559159E5DFA}" srcId="{CB1AD5F6-B8F9-466B-A6C6-9EA19545F5A0}" destId="{B4A9E70A-32FA-4B85-8D26-33D661885203}" srcOrd="2" destOrd="0" parTransId="{296B48E1-46E6-43B2-A87D-2A71482CAB34}" sibTransId="{8F60D506-5F91-4170-B0E9-84C252697D38}"/>
     <dgm:cxn modelId="{A53DB90C-97CA-4A0D-95A1-814AD4596ED5}" type="presOf" srcId="{D5397D5D-3928-4BFE-8F47-B901FB385FD9}" destId="{C2A9903B-86BE-4A55-B8DF-C9D26FFDAC11}" srcOrd="0" destOrd="0" presId="urn:microsoft.com/office/officeart/2005/8/layout/hChevron3"/>
@@ -4336,9 +4297,7 @@
     <dgm:cxn modelId="{99FCD506-6034-4DE8-B55E-68D7BA982B11}" type="presParOf" srcId="{38CCD1CF-A2E7-4999-A4A8-9E54A066E92C}" destId="{883D7CDC-D17B-4793-8875-C7BD0FC9C654}" srcOrd="5" destOrd="0" presId="urn:microsoft.com/office/officeart/2005/8/layout/hChevron3"/>
     <dgm:cxn modelId="{41C5BEB7-7155-476C-B429-FB1541528F70}" type="presParOf" srcId="{38CCD1CF-A2E7-4999-A4A8-9E54A066E92C}" destId="{C2A9903B-86BE-4A55-B8DF-C9D26FFDAC11}" srcOrd="6" destOrd="0" presId="urn:microsoft.com/office/officeart/2005/8/layout/hChevron3"/>
     <dgm:cxn modelId="{388E158D-85E0-44ED-B8EB-C35D31E2030B}" type="presParOf" srcId="{38CCD1CF-A2E7-4999-A4A8-9E54A066E92C}" destId="{5C2A58DD-8A27-4883-8F26-6D7CF4101365}" srcOrd="7" destOrd="0" presId="urn:microsoft.com/office/officeart/2005/8/layout/hChevron3"/>
-    <dgm:cxn modelId="{9163F9EC-6E18-4291-B028-3E40E706A57C}" type="presParOf" srcId="{38CCD1CF-A2E7-4999-A4A8-9E54A066E92C}" destId="{FDEAC994-2602-4149-BDE2-1BB9508FD3E3}" srcOrd="8" destOrd="0" presId="urn:microsoft.com/office/officeart/2005/8/layout/hChevron3"/>
-    <dgm:cxn modelId="{8CAF604C-DDD0-4578-A480-E1154C5A1FA5}" type="presParOf" srcId="{38CCD1CF-A2E7-4999-A4A8-9E54A066E92C}" destId="{4EBD1FFF-A74B-46C9-B54F-B07408B0D9C2}" srcOrd="9" destOrd="0" presId="urn:microsoft.com/office/officeart/2005/8/layout/hChevron3"/>
-    <dgm:cxn modelId="{E52B915B-1836-468F-9761-CB95CC7A7AF3}" type="presParOf" srcId="{38CCD1CF-A2E7-4999-A4A8-9E54A066E92C}" destId="{D83588F4-B305-4B2B-B4BA-59B65E569A99}" srcOrd="10" destOrd="0" presId="urn:microsoft.com/office/officeart/2005/8/layout/hChevron3"/>
+    <dgm:cxn modelId="{E52B915B-1836-468F-9761-CB95CC7A7AF3}" type="presParOf" srcId="{38CCD1CF-A2E7-4999-A4A8-9E54A066E92C}" destId="{D83588F4-B305-4B2B-B4BA-59B65E569A99}" srcOrd="8" destOrd="0" presId="urn:microsoft.com/office/officeart/2005/8/layout/hChevron3"/>
   </dgm:cxnLst>
   <dgm:bg/>
   <dgm:whole/>
@@ -5699,8 +5658,8 @@
       </dsp:nvSpPr>
       <dsp:spPr>
         <a:xfrm>
-          <a:off x="36274" y="471121"/>
-          <a:ext cx="1795704" cy="718281"/>
+          <a:off x="42132" y="424639"/>
+          <a:ext cx="1542543" cy="811246"/>
         </a:xfrm>
         <a:prstGeom prst="homePlate">
           <a:avLst/>
@@ -5765,8 +5724,8 @@
         </a:p>
       </dsp:txBody>
       <dsp:txXfrm>
-        <a:off x="36274" y="471121"/>
-        <a:ext cx="1616134" cy="718281"/>
+        <a:off x="42132" y="424639"/>
+        <a:ext cx="1339732" cy="811246"/>
       </dsp:txXfrm>
     </dsp:sp>
     <dsp:sp modelId="{2890E868-C74A-4A63-A2AB-757D3EB9251C}">
@@ -5776,8 +5735,8 @@
       </dsp:nvSpPr>
       <dsp:spPr>
         <a:xfrm>
-          <a:off x="1472837" y="471121"/>
-          <a:ext cx="1795704" cy="718281"/>
+          <a:off x="1179053" y="424639"/>
+          <a:ext cx="2028115" cy="811246"/>
         </a:xfrm>
         <a:prstGeom prst="chevron">
           <a:avLst/>
@@ -5842,8 +5801,8 @@
         </a:p>
       </dsp:txBody>
       <dsp:txXfrm>
-        <a:off x="1831978" y="471121"/>
-        <a:ext cx="1077423" cy="718281"/>
+        <a:off x="1584676" y="424639"/>
+        <a:ext cx="1216869" cy="811246"/>
       </dsp:txXfrm>
     </dsp:sp>
     <dsp:sp modelId="{47E6F414-C159-4C72-95FE-D22DC6A5B844}">
@@ -5853,8 +5812,8 @@
       </dsp:nvSpPr>
       <dsp:spPr>
         <a:xfrm>
-          <a:off x="2909400" y="471121"/>
-          <a:ext cx="1795704" cy="718281"/>
+          <a:off x="2801545" y="424639"/>
+          <a:ext cx="2028115" cy="811246"/>
         </a:xfrm>
         <a:prstGeom prst="chevron">
           <a:avLst/>
@@ -5919,8 +5878,8 @@
         </a:p>
       </dsp:txBody>
       <dsp:txXfrm>
-        <a:off x="3268541" y="471121"/>
-        <a:ext cx="1077423" cy="718281"/>
+        <a:off x="3207168" y="424639"/>
+        <a:ext cx="1216869" cy="811246"/>
       </dsp:txXfrm>
     </dsp:sp>
     <dsp:sp modelId="{C2A9903B-86BE-4A55-B8DF-C9D26FFDAC11}">
@@ -5930,8 +5889,8 @@
       </dsp:nvSpPr>
       <dsp:spPr>
         <a:xfrm>
-          <a:off x="4310786" y="471121"/>
-          <a:ext cx="1795704" cy="718281"/>
+          <a:off x="4384306" y="424639"/>
+          <a:ext cx="2028115" cy="811246"/>
         </a:xfrm>
         <a:prstGeom prst="chevron">
           <a:avLst/>
@@ -5996,85 +5955,8 @@
         </a:p>
       </dsp:txBody>
       <dsp:txXfrm>
-        <a:off x="4669927" y="471121"/>
-        <a:ext cx="1077423" cy="718281"/>
-      </dsp:txXfrm>
-    </dsp:sp>
-    <dsp:sp modelId="{FDEAC994-2602-4149-BDE2-1BB9508FD3E3}">
-      <dsp:nvSpPr>
-        <dsp:cNvPr id="0" name=""/>
-        <dsp:cNvSpPr/>
-      </dsp:nvSpPr>
-      <dsp:spPr>
-        <a:xfrm>
-          <a:off x="5747350" y="471121"/>
-          <a:ext cx="1795704" cy="718281"/>
-        </a:xfrm>
-        <a:prstGeom prst="chevron">
-          <a:avLst/>
-        </a:prstGeom>
-        <a:solidFill>
-          <a:schemeClr val="accent1">
-            <a:hueOff val="0"/>
-            <a:satOff val="0"/>
-            <a:lumOff val="0"/>
-            <a:alphaOff val="0"/>
-          </a:schemeClr>
-        </a:solidFill>
-        <a:ln w="19050" cap="flat" cmpd="sng" algn="ctr">
-          <a:solidFill>
-            <a:schemeClr val="lt1">
-              <a:hueOff val="0"/>
-              <a:satOff val="0"/>
-              <a:lumOff val="0"/>
-              <a:alphaOff val="0"/>
-            </a:schemeClr>
-          </a:solidFill>
-          <a:prstDash val="solid"/>
-        </a:ln>
-        <a:effectLst/>
-      </dsp:spPr>
-      <dsp:style>
-        <a:lnRef idx="2">
-          <a:scrgbClr r="0" g="0" b="0"/>
-        </a:lnRef>
-        <a:fillRef idx="1">
-          <a:scrgbClr r="0" g="0" b="0"/>
-        </a:fillRef>
-        <a:effectRef idx="0">
-          <a:scrgbClr r="0" g="0" b="0"/>
-        </a:effectRef>
-        <a:fontRef idx="minor">
-          <a:schemeClr val="lt1"/>
-        </a:fontRef>
-      </dsp:style>
-      <dsp:txBody>
-        <a:bodyPr spcFirstLastPara="0" vert="horz" wrap="square" lIns="56007" tIns="37338" rIns="18669" bIns="37338" numCol="1" spcCol="1270" anchor="ctr" anchorCtr="0">
-          <a:noAutofit/>
-        </a:bodyPr>
-        <a:lstStyle/>
-        <a:p>
-          <a:pPr lvl="0" algn="ctr" defTabSz="622300">
-            <a:lnSpc>
-              <a:spcPct val="90000"/>
-            </a:lnSpc>
-            <a:spcBef>
-              <a:spcPct val="0"/>
-            </a:spcBef>
-            <a:spcAft>
-              <a:spcPct val="35000"/>
-            </a:spcAft>
-          </a:pPr>
-          <a:r>
-            <a:rPr lang="en-US" sz="1400" kern="1200" dirty="0" smtClean="0"/>
-            <a:t>Task Force Review</a:t>
-          </a:r>
-          <a:endParaRPr lang="en-US" sz="1400" kern="1200" dirty="0"/>
-        </a:p>
-      </dsp:txBody>
-      <dsp:txXfrm>
-        <a:off x="6106491" y="471121"/>
-        <a:ext cx="1077423" cy="718281"/>
+        <a:off x="4789929" y="424639"/>
+        <a:ext cx="1216869" cy="811246"/>
       </dsp:txXfrm>
     </dsp:sp>
     <dsp:sp modelId="{D83588F4-B305-4B2B-B4BA-59B65E569A99}">
@@ -6084,8 +5966,8 @@
       </dsp:nvSpPr>
       <dsp:spPr>
         <a:xfrm>
-          <a:off x="7183913" y="471121"/>
-          <a:ext cx="1795704" cy="718281"/>
+          <a:off x="6006799" y="424639"/>
+          <a:ext cx="2971513" cy="811246"/>
         </a:xfrm>
         <a:prstGeom prst="chevron">
           <a:avLst/>
@@ -6139,14 +6021,33 @@
           </a:pPr>
           <a:r>
             <a:rPr lang="en-US" sz="1400" kern="1200" dirty="0" smtClean="0"/>
-            <a:t>Task Force, AB Vote</a:t>
+            <a:t>Task </a:t>
+          </a:r>
+          <a:r>
+            <a:rPr lang="en-US" sz="1400" kern="1200" dirty="0" smtClean="0"/>
+            <a:t>Force, </a:t>
+          </a:r>
+          <a:r>
+            <a:rPr lang="en-US" sz="1400" kern="1200" dirty="0" smtClean="0"/>
+            <a:t>AB </a:t>
+          </a:r>
+          <a:r>
+            <a:rPr lang="en-US" sz="1400" kern="1200" dirty="0" smtClean="0"/>
+            <a:t>Vote</a:t>
+          </a:r>
+          <a:br>
+            <a:rPr lang="en-US" sz="1400" kern="1200" dirty="0" smtClean="0"/>
+          </a:br>
+          <a:r>
+            <a:rPr lang="en-US" sz="1400" kern="1200" dirty="0" smtClean="0"/>
+            <a:t>(Could happen in Nov)</a:t>
           </a:r>
           <a:endParaRPr lang="en-US" sz="1400" kern="1200" dirty="0"/>
         </a:p>
       </dsp:txBody>
       <dsp:txXfrm>
-        <a:off x="7543054" y="471121"/>
-        <a:ext cx="1077423" cy="718281"/>
+        <a:off x="6412422" y="424639"/>
+        <a:ext cx="2160267" cy="811246"/>
       </dsp:txXfrm>
     </dsp:sp>
   </dsp:spTree>
@@ -22871,6 +22772,53 @@
           <a:chExt cx="0" cy="0"/>
         </a:xfrm>
       </p:grpSpPr>
+      <p:sp>
+        <p:nvSpPr>
+          <p:cNvPr id="25" name="Rectangle 24"/>
+          <p:cNvSpPr/>
+          <p:nvPr/>
+        </p:nvSpPr>
+        <p:spPr>
+          <a:xfrm>
+            <a:off x="346133" y="5844477"/>
+            <a:ext cx="8101231" cy="445535"/>
+          </a:xfrm>
+          <a:prstGeom prst="rect">
+            <a:avLst/>
+          </a:prstGeom>
+          <a:solidFill>
+            <a:srgbClr val="00B050"/>
+          </a:solidFill>
+        </p:spPr>
+        <p:style>
+          <a:lnRef idx="2">
+            <a:schemeClr val="accent1">
+              <a:shade val="50000"/>
+            </a:schemeClr>
+          </a:lnRef>
+          <a:fillRef idx="1">
+            <a:schemeClr val="accent1"/>
+          </a:fillRef>
+          <a:effectRef idx="0">
+            <a:schemeClr val="accent1"/>
+          </a:effectRef>
+          <a:fontRef idx="minor">
+            <a:schemeClr val="lt1"/>
+          </a:fontRef>
+        </p:style>
+        <p:txBody>
+          <a:bodyPr rtlCol="0" anchor="ctr"/>
+          <a:lstStyle/>
+          <a:p>
+            <a:pPr algn="ctr"/>
+            <a:r>
+              <a:rPr lang="en-US" dirty="0" smtClean="0"/>
+              <a:t>Vendors &amp; Service Providers</a:t>
+            </a:r>
+            <a:endParaRPr lang="en-US" dirty="0"/>
+          </a:p>
+        </p:txBody>
+      </p:sp>
       <p:pic>
         <p:nvPicPr>
           <p:cNvPr id="33" name="Picture 4" descr="C:\Users\Cory\AppData\Local\Microsoft\Windows\Temporary Internet Files\Content.IE5\ER8PH0AL\MP900202201[1].jpg"/>
@@ -22920,14 +22868,14 @@
         </p:nvSpPr>
         <p:spPr>
           <a:xfrm>
-            <a:off x="327033" y="5266220"/>
+            <a:off x="327033" y="5048496"/>
             <a:ext cx="8534400" cy="838200"/>
           </a:xfrm>
           <a:prstGeom prst="homePlate">
             <a:avLst/>
           </a:prstGeom>
           <a:solidFill>
-            <a:srgbClr val="FF0000"/>
+            <a:srgbClr val="00B050"/>
           </a:solidFill>
         </p:spPr>
         <p:style>
@@ -23049,7 +22997,7 @@
         </p:blipFill>
         <p:spPr bwMode="auto">
           <a:xfrm>
-            <a:off x="4393688" y="3675799"/>
+            <a:off x="4359881" y="3576642"/>
             <a:ext cx="1748631" cy="1311473"/>
           </a:xfrm>
           <a:prstGeom prst="rect">
@@ -23131,7 +23079,7 @@
         </p:blipFill>
         <p:spPr bwMode="auto">
           <a:xfrm>
-            <a:off x="3862649" y="3345259"/>
+            <a:off x="3805394" y="3240197"/>
             <a:ext cx="1182707" cy="1065465"/>
           </a:xfrm>
           <a:prstGeom prst="rect">
@@ -23442,7 +23390,7 @@
         </p:nvSpPr>
         <p:spPr>
           <a:xfrm>
-            <a:off x="842336" y="5362154"/>
+            <a:off x="715195" y="5144430"/>
             <a:ext cx="2205219" cy="646331"/>
           </a:xfrm>
           <a:prstGeom prst="rect">
@@ -23519,7 +23467,7 @@
         </p:nvSpPr>
         <p:spPr>
           <a:xfrm>
-            <a:off x="3271296" y="5362155"/>
+            <a:off x="3271296" y="5144431"/>
             <a:ext cx="1374094" cy="646331"/>
           </a:xfrm>
           <a:prstGeom prst="rect">
@@ -23555,7 +23503,7 @@
         </p:nvSpPr>
         <p:spPr>
           <a:xfrm>
-            <a:off x="5045356" y="5383765"/>
+            <a:off x="5045356" y="5166041"/>
             <a:ext cx="1043876" cy="369332"/>
           </a:xfrm>
           <a:prstGeom prst="rect">
@@ -23585,7 +23533,7 @@
         </p:nvSpPr>
         <p:spPr>
           <a:xfrm>
-            <a:off x="7086926" y="5383765"/>
+            <a:off x="7086926" y="5166041"/>
             <a:ext cx="1348767" cy="369332"/>
           </a:xfrm>
           <a:prstGeom prst="rect">
@@ -33838,15 +33786,7 @@
           <a:p>
             <a:r>
               <a:rPr lang="en-US" dirty="0" smtClean="0"/>
-              <a:t>Overview of OMG RFP Process &amp; </a:t>
-            </a:r>
-            <a:r>
-              <a:rPr lang="en-US" dirty="0" smtClean="0"/>
-              <a:t>Original  Time </a:t>
-            </a:r>
-            <a:r>
-              <a:rPr lang="en-US" dirty="0" smtClean="0"/>
-              <a:t>Line</a:t>
+              <a:t>Overview of OMG RFP Process &amp; Original  Time Line</a:t>
             </a:r>
             <a:endParaRPr lang="en-US" dirty="0"/>
           </a:p>
@@ -34523,8 +34463,8 @@
         </p:nvSpPr>
         <p:spPr>
           <a:xfrm>
-            <a:off x="4049589" y="6196392"/>
-            <a:ext cx="4621971" cy="369332"/>
+            <a:off x="4555029" y="6196392"/>
+            <a:ext cx="3953518" cy="369332"/>
           </a:xfrm>
           <a:prstGeom prst="rect">
             <a:avLst/>
@@ -34539,7 +34479,15 @@
           <a:p>
             <a:r>
               <a:rPr lang="en-US" dirty="0" smtClean="0"/>
-              <a:t>* Time line can be changed by OMG Task Force</a:t>
+              <a:t>* Time line </a:t>
+            </a:r>
+            <a:r>
+              <a:rPr lang="en-US" dirty="0" smtClean="0"/>
+              <a:t>changed </a:t>
+            </a:r>
+            <a:r>
+              <a:rPr lang="en-US" dirty="0" smtClean="0"/>
+              <a:t>by OMG Task Force</a:t>
             </a:r>
             <a:endParaRPr lang="en-US" dirty="0"/>
           </a:p>
@@ -36092,7 +36040,7 @@
             <p:ph sz="quarter" idx="13"/>
             <p:extLst>
               <p:ext uri="{D42A27DB-BD31-4B8C-83A1-F6EECF244321}">
-                <p14:modId xmlns:p14="http://schemas.microsoft.com/office/powerpoint/2010/main" val="259533012"/>
+                <p14:modId xmlns:p14="http://schemas.microsoft.com/office/powerpoint/2010/main" val="2081854686"/>
               </p:ext>
             </p:extLst>
           </p:nvPr>
@@ -36186,7 +36134,12 @@
             <p:ph type="title"/>
           </p:nvPr>
         </p:nvSpPr>
-        <p:spPr/>
+        <p:spPr>
+          <a:xfrm>
+            <a:off x="432585" y="192958"/>
+            <a:ext cx="7680960" cy="1066800"/>
+          </a:xfrm>
+        </p:spPr>
         <p:txBody>
           <a:bodyPr>
             <a:normAutofit fontScale="90000"/>
@@ -36195,15 +36148,7 @@
           <a:p>
             <a:r>
               <a:rPr lang="en-US" dirty="0" smtClean="0"/>
-              <a:t>Overview of OMG RFP Process &amp; </a:t>
-            </a:r>
-            <a:r>
-              <a:rPr lang="en-US" dirty="0" smtClean="0"/>
-              <a:t>Revised Time </a:t>
-            </a:r>
-            <a:r>
-              <a:rPr lang="en-US" dirty="0" smtClean="0"/>
-              <a:t>Line</a:t>
+              <a:t>Overview of OMG RFP Process &amp; Revised Time Line</a:t>
             </a:r>
             <a:endParaRPr lang="en-US" dirty="0"/>
           </a:p>
@@ -36327,7 +36272,6 @@
               <a:rPr lang="en-US" sz="1400" dirty="0" smtClean="0"/>
               <a:t>May 18th</a:t>
             </a:r>
-            <a:endParaRPr lang="en-US" sz="1400" dirty="0" smtClean="0"/>
           </a:p>
           <a:p>
             <a:pPr algn="ctr"/>
@@ -36384,7 +36328,6 @@
               <a:rPr lang="en-US" sz="1400" dirty="0" smtClean="0"/>
               <a:t>Nov 9th</a:t>
             </a:r>
-            <a:endParaRPr lang="en-US" sz="1400" dirty="0" smtClean="0"/>
           </a:p>
           <a:p>
             <a:pPr algn="ctr"/>
@@ -36404,7 +36347,7 @@
         </p:nvSpPr>
         <p:spPr>
           <a:xfrm>
-            <a:off x="6161314" y="2843348"/>
+            <a:off x="6824388" y="2838758"/>
             <a:ext cx="914400" cy="762000"/>
           </a:xfrm>
           <a:prstGeom prst="upArrowCallout">
@@ -36439,63 +36382,7 @@
             <a:pPr algn="ctr"/>
             <a:r>
               <a:rPr lang="en-US" sz="1400" dirty="0" smtClean="0"/>
-              <a:t>Sept. 21 2015</a:t>
-            </a:r>
-            <a:endParaRPr lang="en-US" sz="1400" dirty="0"/>
-          </a:p>
-        </p:txBody>
-      </p:sp>
-      <p:sp>
-        <p:nvSpPr>
-          <p:cNvPr id="16" name="Up Arrow Callout 15"/>
-          <p:cNvSpPr/>
-          <p:nvPr/>
-        </p:nvSpPr>
-        <p:spPr>
-          <a:xfrm>
-            <a:off x="7609114" y="2843348"/>
-            <a:ext cx="914400" cy="762000"/>
-          </a:xfrm>
-          <a:prstGeom prst="upArrowCallout">
-            <a:avLst/>
-          </a:prstGeom>
-          <a:solidFill>
-            <a:schemeClr val="accent2">
-              <a:lumMod val="50000"/>
-            </a:schemeClr>
-          </a:solidFill>
-        </p:spPr>
-        <p:style>
-          <a:lnRef idx="2">
-            <a:schemeClr val="accent1">
-              <a:shade val="50000"/>
-            </a:schemeClr>
-          </a:lnRef>
-          <a:fillRef idx="1">
-            <a:schemeClr val="accent1"/>
-          </a:fillRef>
-          <a:effectRef idx="0">
-            <a:schemeClr val="accent1"/>
-          </a:effectRef>
-          <a:fontRef idx="minor">
-            <a:schemeClr val="lt1"/>
-          </a:fontRef>
-        </p:style>
-        <p:txBody>
-          <a:bodyPr rtlCol="0" anchor="ctr"/>
-          <a:lstStyle/>
-          <a:p>
-            <a:pPr algn="ctr"/>
-            <a:r>
-              <a:rPr lang="en-US" sz="1400" dirty="0" smtClean="0"/>
-              <a:t>Dec. 2015</a:t>
-            </a:r>
-          </a:p>
-          <a:p>
-            <a:pPr algn="ctr"/>
-            <a:r>
-              <a:rPr lang="en-US" sz="1400" dirty="0" smtClean="0"/>
-              <a:t>2015</a:t>
+              <a:t>March 14 2016</a:t>
             </a:r>
             <a:endParaRPr lang="en-US" sz="1400" dirty="0"/>
           </a:p>
@@ -36558,7 +36445,6 @@
               <a:rPr lang="en-US" sz="1400" dirty="0"/>
               <a:t>2015</a:t>
             </a:r>
-            <a:endParaRPr lang="en-US" sz="1400" dirty="0"/>
           </a:p>
         </p:txBody>
       </p:sp>
@@ -36605,14 +36491,7 @@
             <a:pPr algn="ctr"/>
             <a:r>
               <a:rPr lang="en-US" sz="1400" dirty="0" smtClean="0"/>
-              <a:t>Dec.</a:t>
-            </a:r>
-          </a:p>
-          <a:p>
-            <a:pPr algn="ctr"/>
-            <a:r>
-              <a:rPr lang="en-US" sz="1400" dirty="0" smtClean="0"/>
-              <a:t>2015</a:t>
+              <a:t>March 2016</a:t>
             </a:r>
             <a:endParaRPr lang="en-US" sz="1400" dirty="0"/>
           </a:p>
@@ -36661,8 +36540,9 @@
             <a:pPr algn="ctr"/>
             <a:r>
               <a:rPr lang="en-US" sz="1400" dirty="0" smtClean="0"/>
-              <a:t>Feb. 2016</a:t>
-            </a:r>
+              <a:t>May 2016</a:t>
+            </a:r>
+            <a:endParaRPr lang="en-US" sz="1400" dirty="0" smtClean="0"/>
           </a:p>
         </p:txBody>
       </p:sp>
@@ -36709,7 +36589,11 @@
             <a:pPr algn="ctr"/>
             <a:r>
               <a:rPr lang="en-US" sz="1400" dirty="0" smtClean="0"/>
-              <a:t>March 2016</a:t>
+              <a:t>June </a:t>
+            </a:r>
+            <a:r>
+              <a:rPr lang="en-US" sz="1400" dirty="0" smtClean="0"/>
+              <a:t>2016</a:t>
             </a:r>
           </a:p>
         </p:txBody>
@@ -36860,43 +36744,13 @@
       </p:sp>
       <p:sp>
         <p:nvSpPr>
-          <p:cNvPr id="24" name="TextBox 23"/>
-          <p:cNvSpPr txBox="1"/>
-          <p:nvPr/>
-        </p:nvSpPr>
-        <p:spPr>
-          <a:xfrm>
-            <a:off x="4049589" y="6196392"/>
-            <a:ext cx="4621971" cy="369332"/>
-          </a:xfrm>
-          <a:prstGeom prst="rect">
-            <a:avLst/>
-          </a:prstGeom>
-          <a:noFill/>
-        </p:spPr>
-        <p:txBody>
-          <a:bodyPr wrap="none" rtlCol="0">
-            <a:spAutoFit/>
-          </a:bodyPr>
-          <a:lstStyle/>
-          <a:p>
-            <a:r>
-              <a:rPr lang="en-US" dirty="0" smtClean="0"/>
-              <a:t>* Time line can be changed by OMG Task Force</a:t>
-            </a:r>
-            <a:endParaRPr lang="en-US" dirty="0"/>
-          </a:p>
-        </p:txBody>
-      </p:sp>
-      <p:sp>
-        <p:nvSpPr>
           <p:cNvPr id="25" name="Down Arrow Callout 24"/>
           <p:cNvSpPr/>
           <p:nvPr/>
         </p:nvSpPr>
         <p:spPr>
           <a:xfrm>
-            <a:off x="1306734" y="1259758"/>
+            <a:off x="1143043" y="1208509"/>
             <a:ext cx="1676238" cy="838200"/>
           </a:xfrm>
           <a:prstGeom prst="downArrowCallout">
@@ -36978,8 +36832,8 @@
         </p:nvSpPr>
         <p:spPr>
           <a:xfrm>
-            <a:off x="6135552" y="1259758"/>
-            <a:ext cx="1456147" cy="838200"/>
+            <a:off x="6225988" y="1208509"/>
+            <a:ext cx="2111200" cy="838200"/>
           </a:xfrm>
           <a:prstGeom prst="downArrowCallout">
             <a:avLst/>
@@ -37026,7 +36880,7 @@
                   <a:schemeClr val="bg1"/>
                 </a:solidFill>
               </a:rPr>
-              <a:t>Sept. 21</a:t>
+              <a:t>March 14</a:t>
             </a:r>
             <a:r>
               <a:rPr lang="en-US" sz="1400" baseline="30000" dirty="0" smtClean="0">
@@ -37034,7 +36888,7 @@
                   <a:schemeClr val="bg1"/>
                 </a:solidFill>
               </a:rPr>
-              <a:t>rd</a:t>
+              <a:t>th</a:t>
             </a:r>
             <a:r>
               <a:rPr lang="en-US" sz="1400" dirty="0" smtClean="0">
@@ -37042,73 +36896,7 @@
                   <a:schemeClr val="bg1"/>
                 </a:solidFill>
               </a:rPr>
-              <a:t> 2015</a:t>
-            </a:r>
-            <a:endParaRPr lang="en-US" sz="1400" dirty="0">
-              <a:solidFill>
-                <a:schemeClr val="bg1"/>
-              </a:solidFill>
-            </a:endParaRPr>
-          </a:p>
-        </p:txBody>
-      </p:sp>
-      <p:sp>
-        <p:nvSpPr>
-          <p:cNvPr id="27" name="Down Arrow Callout 26"/>
-          <p:cNvSpPr/>
-          <p:nvPr/>
-        </p:nvSpPr>
-        <p:spPr>
-          <a:xfrm>
-            <a:off x="7586537" y="1259758"/>
-            <a:ext cx="1481264" cy="834934"/>
-          </a:xfrm>
-          <a:prstGeom prst="downArrowCallout">
-            <a:avLst/>
-          </a:prstGeom>
-          <a:solidFill>
-            <a:srgbClr val="FFFF00"/>
-          </a:solidFill>
-        </p:spPr>
-        <p:style>
-          <a:lnRef idx="2">
-            <a:schemeClr val="accent1">
-              <a:shade val="50000"/>
-            </a:schemeClr>
-          </a:lnRef>
-          <a:fillRef idx="1">
-            <a:schemeClr val="accent1"/>
-          </a:fillRef>
-          <a:effectRef idx="0">
-            <a:schemeClr val="accent1"/>
-          </a:effectRef>
-          <a:fontRef idx="minor">
-            <a:schemeClr val="lt1"/>
-          </a:fontRef>
-        </p:style>
-        <p:txBody>
-          <a:bodyPr rtlCol="0" anchor="ctr"/>
-          <a:lstStyle/>
-          <a:p>
-            <a:pPr algn="ctr"/>
-            <a:r>
-              <a:rPr lang="en-US" sz="1400" dirty="0" smtClean="0">
-                <a:solidFill>
-                  <a:schemeClr val="bg1"/>
-                </a:solidFill>
-              </a:rPr>
-              <a:t>OMG TC Meeting</a:t>
-            </a:r>
-          </a:p>
-          <a:p>
-            <a:pPr algn="ctr"/>
-            <a:r>
-              <a:rPr lang="en-US" sz="1400" dirty="0" smtClean="0">
-                <a:solidFill>
-                  <a:schemeClr val="bg1"/>
-                </a:solidFill>
-              </a:rPr>
-              <a:t>Dec.2015</a:t>
+              <a:t> 2016</a:t>
             </a:r>
             <a:endParaRPr lang="en-US" sz="1400" dirty="0">
               <a:solidFill>
@@ -37174,7 +36962,15 @@
                   <a:schemeClr val="bg1"/>
                 </a:solidFill>
               </a:rPr>
-              <a:t>March, 2016</a:t>
+              <a:t>June, </a:t>
+            </a:r>
+            <a:r>
+              <a:rPr lang="en-US" sz="1400" dirty="0" smtClean="0">
+                <a:solidFill>
+                  <a:schemeClr val="bg1"/>
+                </a:solidFill>
+              </a:rPr>
+              <a:t>2016</a:t>
             </a:r>
             <a:endParaRPr lang="en-US" sz="1400" dirty="0">
               <a:solidFill>
@@ -37192,7 +36988,7 @@
         </p:nvSpPr>
         <p:spPr>
           <a:xfrm>
-            <a:off x="2974506" y="1259758"/>
+            <a:off x="2810815" y="1208509"/>
             <a:ext cx="1580523" cy="838200"/>
           </a:xfrm>
           <a:prstGeom prst="downArrowCallout">
@@ -37274,7 +37070,7 @@
         </p:nvSpPr>
         <p:spPr>
           <a:xfrm>
-            <a:off x="4555029" y="1259758"/>
+            <a:off x="4391338" y="1208509"/>
             <a:ext cx="1580523" cy="838200"/>
           </a:xfrm>
           <a:prstGeom prst="downArrowCallout">
@@ -37322,7 +37118,7 @@
                   <a:schemeClr val="bg1"/>
                 </a:solidFill>
               </a:rPr>
-              <a:t>March 23</a:t>
+              <a:t>Dec. 7</a:t>
             </a:r>
             <a:r>
               <a:rPr lang="en-US" sz="1400" baseline="30000" dirty="0" smtClean="0">
@@ -37330,7 +37126,7 @@
                   <a:schemeClr val="bg1"/>
                 </a:solidFill>
               </a:rPr>
-              <a:t>rd</a:t>
+              <a:t>th</a:t>
             </a:r>
             <a:r>
               <a:rPr lang="en-US" sz="1400" dirty="0" smtClean="0">
@@ -37341,6 +37137,71 @@
               <a:t> 2015</a:t>
             </a:r>
             <a:endParaRPr lang="en-US" sz="1400" dirty="0">
+              <a:solidFill>
+                <a:schemeClr val="bg1"/>
+              </a:solidFill>
+            </a:endParaRPr>
+          </a:p>
+        </p:txBody>
+      </p:sp>
+      <p:sp>
+        <p:nvSpPr>
+          <p:cNvPr id="2" name="Line Callout 1 1"/>
+          <p:cNvSpPr/>
+          <p:nvPr/>
+        </p:nvSpPr>
+        <p:spPr>
+          <a:xfrm>
+            <a:off x="6225988" y="3743899"/>
+            <a:ext cx="2613212" cy="545919"/>
+          </a:xfrm>
+          <a:prstGeom prst="borderCallout1">
+            <a:avLst>
+              <a:gd name="adj1" fmla="val 18750"/>
+              <a:gd name="adj2" fmla="val -8333"/>
+              <a:gd name="adj3" fmla="val -163971"/>
+              <a:gd name="adj4" fmla="val -22608"/>
+            </a:avLst>
+          </a:prstGeom>
+          <a:solidFill>
+            <a:srgbClr val="00B0F0"/>
+          </a:solidFill>
+          <a:ln>
+            <a:solidFill>
+              <a:srgbClr val="FFFF00"/>
+            </a:solidFill>
+          </a:ln>
+        </p:spPr>
+        <p:style>
+          <a:lnRef idx="2">
+            <a:schemeClr val="accent1">
+              <a:shade val="50000"/>
+            </a:schemeClr>
+          </a:lnRef>
+          <a:fillRef idx="1">
+            <a:schemeClr val="accent1"/>
+          </a:fillRef>
+          <a:effectRef idx="0">
+            <a:schemeClr val="accent1"/>
+          </a:effectRef>
+          <a:fontRef idx="minor">
+            <a:schemeClr val="lt1"/>
+          </a:fontRef>
+        </p:style>
+        <p:txBody>
+          <a:bodyPr rtlCol="0" anchor="ctr"/>
+          <a:lstStyle/>
+          <a:p>
+            <a:pPr algn="ctr"/>
+            <a:r>
+              <a:rPr lang="en-US" sz="1600" dirty="0" smtClean="0">
+                <a:solidFill>
+                  <a:schemeClr val="bg1"/>
+                </a:solidFill>
+              </a:rPr>
+              <a:t>Early “vote to vote” possible: Moves entire process earlier</a:t>
+            </a:r>
+            <a:endParaRPr lang="en-US" sz="1600" dirty="0">
               <a:solidFill>
                 <a:schemeClr val="bg1"/>
               </a:solidFill>

--- a/Team/Threat-risk -enguagement.pptx
+++ b/Team/Threat-risk -enguagement.pptx
@@ -14678,7 +14678,9 @@
         </p:nvSpPr>
         <p:spPr/>
         <p:txBody>
-          <a:bodyPr/>
+          <a:bodyPr>
+            <a:normAutofit lnSpcReduction="10000"/>
+          </a:bodyPr>
           <a:lstStyle/>
           <a:p>
             <a:pPr lvl="0"/>
@@ -14783,8 +14785,28 @@
             <a:pPr lvl="1"/>
             <a:r>
               <a:rPr lang="en-US" dirty="0"/>
-              <a:t>U.S. Information Sharing Environment PMO</a:t>
-            </a:r>
+              <a:t>U.S. Information Sharing Environment </a:t>
+            </a:r>
+            <a:r>
+              <a:rPr lang="en-US" dirty="0" smtClean="0"/>
+              <a:t>PMO</a:t>
+            </a:r>
+          </a:p>
+          <a:p>
+            <a:pPr lvl="1"/>
+            <a:r>
+              <a:rPr lang="en-US" dirty="0" smtClean="0"/>
+              <a:t>FBI </a:t>
+            </a:r>
+            <a:r>
+              <a:rPr lang="en-US" dirty="0" err="1" smtClean="0"/>
+              <a:t>Infogard</a:t>
+            </a:r>
+            <a:endParaRPr lang="en-US" dirty="0" smtClean="0"/>
+          </a:p>
+          <a:p>
+            <a:pPr lvl="1"/>
+            <a:endParaRPr lang="en-US" dirty="0"/>
           </a:p>
           <a:p>
             <a:endParaRPr lang="en-US" dirty="0"/>
@@ -15747,10 +15769,10 @@
           <a:lstStyle/>
           <a:p>
             <a:r>
-              <a:rPr lang="en-US" smtClean="0"/>
+              <a:rPr lang="en-US" dirty="0" smtClean="0"/>
               <a:t>Threat &amp; Risk</a:t>
             </a:r>
-            <a:endParaRPr lang="en-US"/>
+            <a:endParaRPr lang="en-US" dirty="0"/>
           </a:p>
         </p:txBody>
       </p:sp>
